--- a/vs2015.pptx
+++ b/vs2015.pptx
@@ -5,13 +5,17 @@
     <p:sldMasterId id="2147483648" r:id="rId1"/>
   </p:sldMasterIdLst>
   <p:notesMasterIdLst>
-    <p:notesMasterId r:id="rId6"/>
+    <p:notesMasterId r:id="rId10"/>
   </p:notesMasterIdLst>
   <p:sldIdLst>
     <p:sldId id="256" r:id="rId2"/>
-    <p:sldId id="257" r:id="rId3"/>
-    <p:sldId id="259" r:id="rId4"/>
-    <p:sldId id="258" r:id="rId5"/>
+    <p:sldId id="260" r:id="rId3"/>
+    <p:sldId id="262" r:id="rId4"/>
+    <p:sldId id="261" r:id="rId5"/>
+    <p:sldId id="257" r:id="rId6"/>
+    <p:sldId id="259" r:id="rId7"/>
+    <p:sldId id="258" r:id="rId8"/>
+    <p:sldId id="263" r:id="rId9"/>
   </p:sldIdLst>
   <p:sldSz cx="12192000" cy="6858000"/>
   <p:notesSz cx="6858000" cy="9144000"/>
@@ -200,7 +204,7 @@
           <a:p>
             <a:fld id="{8314C6E1-02BB-4ECF-AC7B-E08C8C220941}" type="datetimeFigureOut">
               <a:rPr lang="et-EE" smtClean="0"/>
-              <a:t>3.02.2015</a:t>
+              <a:t>5.02.2015</a:t>
             </a:fld>
             <a:endParaRPr lang="et-EE"/>
           </a:p>
@@ -512,57 +516,89 @@
           <a:bodyPr/>
           <a:lstStyle/>
           <a:p>
-            <a:r>
-              <a:rPr lang="et-EE" dirty="0" err="1" smtClean="0"/>
-              <a:t>Nameof</a:t>
-            </a:r>
-            <a:r>
-              <a:rPr lang="et-EE" dirty="0" smtClean="0"/>
-              <a:t> – kasutada nullargumentide juures ja</a:t>
-            </a:r>
-          </a:p>
-          <a:p>
-            <a:r>
-              <a:rPr lang="et-EE" dirty="0" err="1" smtClean="0"/>
-              <a:t>Index</a:t>
-            </a:r>
-            <a:r>
-              <a:rPr lang="et-EE" baseline="0" dirty="0" smtClean="0"/>
-              <a:t> </a:t>
-            </a:r>
-            <a:r>
-              <a:rPr lang="et-EE" baseline="0" dirty="0" err="1" smtClean="0"/>
-              <a:t>initializers</a:t>
-            </a:r>
-            <a:r>
-              <a:rPr lang="et-EE" baseline="0" dirty="0" smtClean="0"/>
-              <a:t> – </a:t>
-            </a:r>
-            <a:r>
-              <a:rPr lang="et-EE" baseline="0" dirty="0" err="1" smtClean="0"/>
-              <a:t>debug</a:t>
-            </a:r>
-            <a:r>
-              <a:rPr lang="et-EE" baseline="0" dirty="0" smtClean="0"/>
-              <a:t> </a:t>
-            </a:r>
-            <a:r>
-              <a:rPr lang="et-EE" baseline="0" dirty="0" err="1" smtClean="0"/>
-              <a:t>window</a:t>
-            </a:r>
-            <a:r>
-              <a:rPr lang="et-EE" baseline="0" dirty="0" smtClean="0"/>
-              <a:t> </a:t>
-            </a:r>
-            <a:r>
-              <a:rPr lang="et-EE" baseline="0" dirty="0" err="1" smtClean="0"/>
-              <a:t>lambda</a:t>
-            </a:r>
-            <a:endParaRPr lang="et-EE" baseline="0" dirty="0" smtClean="0"/>
-          </a:p>
-          <a:p>
-            <a:endParaRPr lang="et-EE" baseline="0" dirty="0" smtClean="0"/>
-          </a:p>
+            <a:endParaRPr lang="et-EE" dirty="0"/>
+          </a:p>
+        </p:txBody>
+      </p:sp>
+      <p:sp>
+        <p:nvSpPr>
+          <p:cNvPr id="4" name="Slide Number Placeholder 3"/>
+          <p:cNvSpPr>
+            <a:spLocks noGrp="1"/>
+          </p:cNvSpPr>
+          <p:nvPr>
+            <p:ph type="sldNum" sz="quarter" idx="10"/>
+          </p:nvPr>
+        </p:nvSpPr>
+        <p:spPr/>
+        <p:txBody>
+          <a:bodyPr/>
+          <a:lstStyle/>
+          <a:p>
+            <a:fld id="{DEE5BF0C-59FB-491E-B566-3248DF3BA693}" type="slidenum">
+              <a:rPr lang="et-EE" smtClean="0"/>
+              <a:t>1</a:t>
+            </a:fld>
+            <a:endParaRPr lang="et-EE"/>
+          </a:p>
+        </p:txBody>
+      </p:sp>
+    </p:spTree>
+    <p:extLst>
+      <p:ext uri="{BB962C8B-B14F-4D97-AF65-F5344CB8AC3E}">
+        <p14:creationId xmlns:p14="http://schemas.microsoft.com/office/powerpoint/2010/main" val="2799746108"/>
+      </p:ext>
+    </p:extLst>
+  </p:cSld>
+  <p:clrMapOvr>
+    <a:masterClrMapping/>
+  </p:clrMapOvr>
+</p:notes>
+</file>
+
+<file path=ppt/notesSlides/notesSlide2.xml><?xml version="1.0" encoding="utf-8"?>
+<p:notes xmlns:a="http://schemas.openxmlformats.org/drawingml/2006/main" xmlns:r="http://schemas.openxmlformats.org/officeDocument/2006/relationships" xmlns:p="http://schemas.openxmlformats.org/presentationml/2006/main">
+  <p:cSld>
+    <p:spTree>
+      <p:nvGrpSpPr>
+        <p:cNvPr id="1" name=""/>
+        <p:cNvGrpSpPr/>
+        <p:nvPr/>
+      </p:nvGrpSpPr>
+      <p:grpSpPr>
+        <a:xfrm>
+          <a:off x="0" y="0"/>
+          <a:ext cx="0" cy="0"/>
+          <a:chOff x="0" y="0"/>
+          <a:chExt cx="0" cy="0"/>
+        </a:xfrm>
+      </p:grpSpPr>
+      <p:sp>
+        <p:nvSpPr>
+          <p:cNvPr id="2" name="Slide Image Placeholder 1"/>
+          <p:cNvSpPr>
+            <a:spLocks noGrp="1" noRot="1" noChangeAspect="1"/>
+          </p:cNvSpPr>
+          <p:nvPr>
+            <p:ph type="sldImg"/>
+          </p:nvPr>
+        </p:nvSpPr>
+        <p:spPr/>
+      </p:sp>
+      <p:sp>
+        <p:nvSpPr>
+          <p:cNvPr id="3" name="Notes Placeholder 2"/>
+          <p:cNvSpPr>
+            <a:spLocks noGrp="1"/>
+          </p:cNvSpPr>
+          <p:nvPr>
+            <p:ph type="body" idx="1"/>
+          </p:nvPr>
+        </p:nvSpPr>
+        <p:spPr/>
+        <p:txBody>
+          <a:bodyPr/>
+          <a:lstStyle/>
           <a:p>
             <a:endParaRPr lang="et-EE" dirty="0"/>
           </a:p>
@@ -594,7 +630,311 @@
     </p:spTree>
     <p:extLst>
       <p:ext uri="{BB962C8B-B14F-4D97-AF65-F5344CB8AC3E}">
+        <p14:creationId xmlns:p14="http://schemas.microsoft.com/office/powerpoint/2010/main" val="26592893"/>
+      </p:ext>
+    </p:extLst>
+  </p:cSld>
+  <p:clrMapOvr>
+    <a:masterClrMapping/>
+  </p:clrMapOvr>
+</p:notes>
+</file>
+
+<file path=ppt/notesSlides/notesSlide3.xml><?xml version="1.0" encoding="utf-8"?>
+<p:notes xmlns:a="http://schemas.openxmlformats.org/drawingml/2006/main" xmlns:r="http://schemas.openxmlformats.org/officeDocument/2006/relationships" xmlns:p="http://schemas.openxmlformats.org/presentationml/2006/main">
+  <p:cSld>
+    <p:spTree>
+      <p:nvGrpSpPr>
+        <p:cNvPr id="1" name=""/>
+        <p:cNvGrpSpPr/>
+        <p:nvPr/>
+      </p:nvGrpSpPr>
+      <p:grpSpPr>
+        <a:xfrm>
+          <a:off x="0" y="0"/>
+          <a:ext cx="0" cy="0"/>
+          <a:chOff x="0" y="0"/>
+          <a:chExt cx="0" cy="0"/>
+        </a:xfrm>
+      </p:grpSpPr>
+      <p:sp>
+        <p:nvSpPr>
+          <p:cNvPr id="2" name="Slide Image Placeholder 1"/>
+          <p:cNvSpPr>
+            <a:spLocks noGrp="1" noRot="1" noChangeAspect="1"/>
+          </p:cNvSpPr>
+          <p:nvPr>
+            <p:ph type="sldImg"/>
+          </p:nvPr>
+        </p:nvSpPr>
+        <p:spPr/>
+      </p:sp>
+      <p:sp>
+        <p:nvSpPr>
+          <p:cNvPr id="3" name="Notes Placeholder 2"/>
+          <p:cNvSpPr>
+            <a:spLocks noGrp="1"/>
+          </p:cNvSpPr>
+          <p:nvPr>
+            <p:ph type="body" idx="1"/>
+          </p:nvPr>
+        </p:nvSpPr>
+        <p:spPr/>
+        <p:txBody>
+          <a:bodyPr/>
+          <a:lstStyle/>
+          <a:p>
+            <a:endParaRPr lang="et-EE" dirty="0"/>
+          </a:p>
+        </p:txBody>
+      </p:sp>
+      <p:sp>
+        <p:nvSpPr>
+          <p:cNvPr id="4" name="Slide Number Placeholder 3"/>
+          <p:cNvSpPr>
+            <a:spLocks noGrp="1"/>
+          </p:cNvSpPr>
+          <p:nvPr>
+            <p:ph type="sldNum" sz="quarter" idx="10"/>
+          </p:nvPr>
+        </p:nvSpPr>
+        <p:spPr/>
+        <p:txBody>
+          <a:bodyPr/>
+          <a:lstStyle/>
+          <a:p>
+            <a:fld id="{DEE5BF0C-59FB-491E-B566-3248DF3BA693}" type="slidenum">
+              <a:rPr lang="et-EE" smtClean="0"/>
+              <a:t>5</a:t>
+            </a:fld>
+            <a:endParaRPr lang="et-EE"/>
+          </a:p>
+        </p:txBody>
+      </p:sp>
+    </p:spTree>
+    <p:extLst>
+      <p:ext uri="{BB962C8B-B14F-4D97-AF65-F5344CB8AC3E}">
+        <p14:creationId xmlns:p14="http://schemas.microsoft.com/office/powerpoint/2010/main" val="1262859487"/>
+      </p:ext>
+    </p:extLst>
+  </p:cSld>
+  <p:clrMapOvr>
+    <a:masterClrMapping/>
+  </p:clrMapOvr>
+</p:notes>
+</file>
+
+<file path=ppt/notesSlides/notesSlide4.xml><?xml version="1.0" encoding="utf-8"?>
+<p:notes xmlns:a="http://schemas.openxmlformats.org/drawingml/2006/main" xmlns:r="http://schemas.openxmlformats.org/officeDocument/2006/relationships" xmlns:p="http://schemas.openxmlformats.org/presentationml/2006/main">
+  <p:cSld>
+    <p:spTree>
+      <p:nvGrpSpPr>
+        <p:cNvPr id="1" name=""/>
+        <p:cNvGrpSpPr/>
+        <p:nvPr/>
+      </p:nvGrpSpPr>
+      <p:grpSpPr>
+        <a:xfrm>
+          <a:off x="0" y="0"/>
+          <a:ext cx="0" cy="0"/>
+          <a:chOff x="0" y="0"/>
+          <a:chExt cx="0" cy="0"/>
+        </a:xfrm>
+      </p:grpSpPr>
+      <p:sp>
+        <p:nvSpPr>
+          <p:cNvPr id="2" name="Slide Image Placeholder 1"/>
+          <p:cNvSpPr>
+            <a:spLocks noGrp="1" noRot="1" noChangeAspect="1"/>
+          </p:cNvSpPr>
+          <p:nvPr>
+            <p:ph type="sldImg"/>
+          </p:nvPr>
+        </p:nvSpPr>
+        <p:spPr/>
+      </p:sp>
+      <p:sp>
+        <p:nvSpPr>
+          <p:cNvPr id="3" name="Notes Placeholder 2"/>
+          <p:cNvSpPr>
+            <a:spLocks noGrp="1"/>
+          </p:cNvSpPr>
+          <p:nvPr>
+            <p:ph type="body" idx="1"/>
+          </p:nvPr>
+        </p:nvSpPr>
+        <p:spPr/>
+        <p:txBody>
+          <a:bodyPr/>
+          <a:lstStyle/>
+          <a:p>
+            <a:r>
+              <a:rPr lang="et-EE" dirty="0" err="1" smtClean="0"/>
+              <a:t>Nameof</a:t>
+            </a:r>
+            <a:r>
+              <a:rPr lang="et-EE" dirty="0" smtClean="0"/>
+              <a:t> – kasutada nullargumentide juures ja</a:t>
+            </a:r>
+          </a:p>
+          <a:p>
+            <a:r>
+              <a:rPr lang="et-EE" dirty="0" err="1" smtClean="0"/>
+              <a:t>Index</a:t>
+            </a:r>
+            <a:r>
+              <a:rPr lang="et-EE" baseline="0" dirty="0" smtClean="0"/>
+              <a:t> </a:t>
+            </a:r>
+            <a:r>
+              <a:rPr lang="et-EE" baseline="0" dirty="0" err="1" smtClean="0"/>
+              <a:t>initializers</a:t>
+            </a:r>
+            <a:r>
+              <a:rPr lang="et-EE" baseline="0" dirty="0" smtClean="0"/>
+              <a:t> – </a:t>
+            </a:r>
+            <a:r>
+              <a:rPr lang="et-EE" baseline="0" dirty="0" err="1" smtClean="0"/>
+              <a:t>debug</a:t>
+            </a:r>
+            <a:r>
+              <a:rPr lang="et-EE" baseline="0" dirty="0" smtClean="0"/>
+              <a:t> </a:t>
+            </a:r>
+            <a:r>
+              <a:rPr lang="et-EE" baseline="0" dirty="0" err="1" smtClean="0"/>
+              <a:t>window</a:t>
+            </a:r>
+            <a:r>
+              <a:rPr lang="et-EE" baseline="0" dirty="0" smtClean="0"/>
+              <a:t> </a:t>
+            </a:r>
+            <a:r>
+              <a:rPr lang="et-EE" baseline="0" dirty="0" err="1" smtClean="0"/>
+              <a:t>lambda</a:t>
+            </a:r>
+            <a:endParaRPr lang="et-EE" baseline="0" dirty="0" smtClean="0"/>
+          </a:p>
+          <a:p>
+            <a:endParaRPr lang="et-EE" baseline="0" dirty="0" smtClean="0"/>
+          </a:p>
+          <a:p>
+            <a:endParaRPr lang="et-EE" dirty="0"/>
+          </a:p>
+        </p:txBody>
+      </p:sp>
+      <p:sp>
+        <p:nvSpPr>
+          <p:cNvPr id="4" name="Slide Number Placeholder 3"/>
+          <p:cNvSpPr>
+            <a:spLocks noGrp="1"/>
+          </p:cNvSpPr>
+          <p:nvPr>
+            <p:ph type="sldNum" sz="quarter" idx="10"/>
+          </p:nvPr>
+        </p:nvSpPr>
+        <p:spPr/>
+        <p:txBody>
+          <a:bodyPr/>
+          <a:lstStyle/>
+          <a:p>
+            <a:fld id="{DEE5BF0C-59FB-491E-B566-3248DF3BA693}" type="slidenum">
+              <a:rPr lang="et-EE" smtClean="0"/>
+              <a:t>6</a:t>
+            </a:fld>
+            <a:endParaRPr lang="et-EE"/>
+          </a:p>
+        </p:txBody>
+      </p:sp>
+    </p:spTree>
+    <p:extLst>
+      <p:ext uri="{BB962C8B-B14F-4D97-AF65-F5344CB8AC3E}">
         <p14:creationId xmlns:p14="http://schemas.microsoft.com/office/powerpoint/2010/main" val="3865818526"/>
+      </p:ext>
+    </p:extLst>
+  </p:cSld>
+  <p:clrMapOvr>
+    <a:masterClrMapping/>
+  </p:clrMapOvr>
+</p:notes>
+</file>
+
+<file path=ppt/notesSlides/notesSlide5.xml><?xml version="1.0" encoding="utf-8"?>
+<p:notes xmlns:a="http://schemas.openxmlformats.org/drawingml/2006/main" xmlns:r="http://schemas.openxmlformats.org/officeDocument/2006/relationships" xmlns:p="http://schemas.openxmlformats.org/presentationml/2006/main">
+  <p:cSld>
+    <p:spTree>
+      <p:nvGrpSpPr>
+        <p:cNvPr id="1" name=""/>
+        <p:cNvGrpSpPr/>
+        <p:nvPr/>
+      </p:nvGrpSpPr>
+      <p:grpSpPr>
+        <a:xfrm>
+          <a:off x="0" y="0"/>
+          <a:ext cx="0" cy="0"/>
+          <a:chOff x="0" y="0"/>
+          <a:chExt cx="0" cy="0"/>
+        </a:xfrm>
+      </p:grpSpPr>
+      <p:sp>
+        <p:nvSpPr>
+          <p:cNvPr id="2" name="Slide Image Placeholder 1"/>
+          <p:cNvSpPr>
+            <a:spLocks noGrp="1" noRot="1" noChangeAspect="1"/>
+          </p:cNvSpPr>
+          <p:nvPr>
+            <p:ph type="sldImg"/>
+          </p:nvPr>
+        </p:nvSpPr>
+        <p:spPr/>
+      </p:sp>
+      <p:sp>
+        <p:nvSpPr>
+          <p:cNvPr id="3" name="Notes Placeholder 2"/>
+          <p:cNvSpPr>
+            <a:spLocks noGrp="1"/>
+          </p:cNvSpPr>
+          <p:nvPr>
+            <p:ph type="body" idx="1"/>
+          </p:nvPr>
+        </p:nvSpPr>
+        <p:spPr/>
+        <p:txBody>
+          <a:bodyPr/>
+          <a:lstStyle/>
+          <a:p>
+            <a:endParaRPr lang="et-EE" dirty="0"/>
+          </a:p>
+        </p:txBody>
+      </p:sp>
+      <p:sp>
+        <p:nvSpPr>
+          <p:cNvPr id="4" name="Slide Number Placeholder 3"/>
+          <p:cNvSpPr>
+            <a:spLocks noGrp="1"/>
+          </p:cNvSpPr>
+          <p:nvPr>
+            <p:ph type="sldNum" sz="quarter" idx="10"/>
+          </p:nvPr>
+        </p:nvSpPr>
+        <p:spPr/>
+        <p:txBody>
+          <a:bodyPr/>
+          <a:lstStyle/>
+          <a:p>
+            <a:fld id="{DEE5BF0C-59FB-491E-B566-3248DF3BA693}" type="slidenum">
+              <a:rPr lang="et-EE" smtClean="0"/>
+              <a:t>8</a:t>
+            </a:fld>
+            <a:endParaRPr lang="et-EE"/>
+          </a:p>
+        </p:txBody>
+      </p:sp>
+    </p:spTree>
+    <p:extLst>
+      <p:ext uri="{BB962C8B-B14F-4D97-AF65-F5344CB8AC3E}">
+        <p14:creationId xmlns:p14="http://schemas.microsoft.com/office/powerpoint/2010/main" val="1025738306"/>
       </p:ext>
     </p:extLst>
   </p:cSld>
@@ -787,7 +1127,7 @@
           <a:p>
             <a:fld id="{4AAD347D-5ACD-4C99-B74B-A9C85AD731AF}" type="datetimeFigureOut">
               <a:rPr lang="en-US" dirty="0"/>
-              <a:t>2/3/2015</a:t>
+              <a:t>2/5/2015</a:t>
             </a:fld>
             <a:endParaRPr lang="en-US" dirty="0"/>
           </a:p>
@@ -1057,7 +1397,7 @@
           <a:p>
             <a:fld id="{4509A250-FF31-4206-8172-F9D3106AACB1}" type="datetimeFigureOut">
               <a:rPr lang="en-US" dirty="0"/>
-              <a:t>2/3/2015</a:t>
+              <a:t>2/5/2015</a:t>
             </a:fld>
             <a:endParaRPr lang="en-US" dirty="0"/>
           </a:p>
@@ -1246,7 +1586,7 @@
           <a:p>
             <a:fld id="{4509A250-FF31-4206-8172-F9D3106AACB1}" type="datetimeFigureOut">
               <a:rPr lang="en-US" dirty="0"/>
-              <a:t>2/3/2015</a:t>
+              <a:t>2/5/2015</a:t>
             </a:fld>
             <a:endParaRPr lang="en-US" dirty="0"/>
           </a:p>
@@ -1509,7 +1849,7 @@
           <a:p>
             <a:fld id="{4509A250-FF31-4206-8172-F9D3106AACB1}" type="datetimeFigureOut">
               <a:rPr lang="en-US" dirty="0"/>
-              <a:t>2/3/2015</a:t>
+              <a:t>2/5/2015</a:t>
             </a:fld>
             <a:endParaRPr lang="en-US" dirty="0"/>
           </a:p>
@@ -1836,7 +2176,7 @@
           <a:p>
             <a:fld id="{4509A250-FF31-4206-8172-F9D3106AACB1}" type="datetimeFigureOut">
               <a:rPr lang="en-US" dirty="0"/>
-              <a:t>2/3/2015</a:t>
+              <a:t>2/5/2015</a:t>
             </a:fld>
             <a:endParaRPr lang="en-US" dirty="0"/>
           </a:p>
@@ -2441,7 +2781,7 @@
           <a:p>
             <a:fld id="{4509A250-FF31-4206-8172-F9D3106AACB1}" type="datetimeFigureOut">
               <a:rPr lang="en-US" dirty="0"/>
-              <a:t>2/3/2015</a:t>
+              <a:t>2/5/2015</a:t>
             </a:fld>
             <a:endParaRPr lang="en-US" dirty="0"/>
           </a:p>
@@ -3283,7 +3623,7 @@
           <a:p>
             <a:fld id="{4509A250-FF31-4206-8172-F9D3106AACB1}" type="datetimeFigureOut">
               <a:rPr lang="en-US" dirty="0"/>
-              <a:t>2/3/2015</a:t>
+              <a:t>2/5/2015</a:t>
             </a:fld>
             <a:endParaRPr lang="en-US" dirty="0"/>
           </a:p>
@@ -3448,7 +3788,7 @@
           <a:p>
             <a:fld id="{4509A250-FF31-4206-8172-F9D3106AACB1}" type="datetimeFigureOut">
               <a:rPr lang="en-US" dirty="0"/>
-              <a:t>2/3/2015</a:t>
+              <a:t>2/5/2015</a:t>
             </a:fld>
             <a:endParaRPr lang="en-US" dirty="0"/>
           </a:p>
@@ -3623,7 +3963,7 @@
           <a:p>
             <a:fld id="{4509A250-FF31-4206-8172-F9D3106AACB1}" type="datetimeFigureOut">
               <a:rPr lang="en-US" dirty="0"/>
-              <a:t>2/3/2015</a:t>
+              <a:t>2/5/2015</a:t>
             </a:fld>
             <a:endParaRPr lang="en-US" dirty="0"/>
           </a:p>
@@ -3788,7 +4128,7 @@
           <a:p>
             <a:fld id="{4509A250-FF31-4206-8172-F9D3106AACB1}" type="datetimeFigureOut">
               <a:rPr lang="en-US" dirty="0"/>
-              <a:t>2/3/2015</a:t>
+              <a:t>2/5/2015</a:t>
             </a:fld>
             <a:endParaRPr lang="en-US" dirty="0"/>
           </a:p>
@@ -4027,7 +4367,7 @@
           <a:p>
             <a:fld id="{4509A250-FF31-4206-8172-F9D3106AACB1}" type="datetimeFigureOut">
               <a:rPr lang="en-US" dirty="0"/>
-              <a:t>2/3/2015</a:t>
+              <a:t>2/5/2015</a:t>
             </a:fld>
             <a:endParaRPr lang="en-US" dirty="0"/>
           </a:p>
@@ -4314,7 +4654,7 @@
           <a:p>
             <a:fld id="{4509A250-FF31-4206-8172-F9D3106AACB1}" type="datetimeFigureOut">
               <a:rPr lang="en-US" dirty="0"/>
-              <a:t>2/3/2015</a:t>
+              <a:t>2/5/2015</a:t>
             </a:fld>
             <a:endParaRPr lang="en-US" dirty="0"/>
           </a:p>
@@ -4747,7 +5087,7 @@
           <a:p>
             <a:fld id="{4509A250-FF31-4206-8172-F9D3106AACB1}" type="datetimeFigureOut">
               <a:rPr lang="en-US" dirty="0"/>
-              <a:t>2/3/2015</a:t>
+              <a:t>2/5/2015</a:t>
             </a:fld>
             <a:endParaRPr lang="en-US" dirty="0"/>
           </a:p>
@@ -4860,7 +5200,7 @@
           <a:p>
             <a:fld id="{4509A250-FF31-4206-8172-F9D3106AACB1}" type="datetimeFigureOut">
               <a:rPr lang="en-US" dirty="0"/>
-              <a:t>2/3/2015</a:t>
+              <a:t>2/5/2015</a:t>
             </a:fld>
             <a:endParaRPr lang="en-US" dirty="0"/>
           </a:p>
@@ -4950,7 +5290,7 @@
           <a:p>
             <a:fld id="{4509A250-FF31-4206-8172-F9D3106AACB1}" type="datetimeFigureOut">
               <a:rPr lang="en-US" dirty="0"/>
-              <a:t>2/3/2015</a:t>
+              <a:t>2/5/2015</a:t>
             </a:fld>
             <a:endParaRPr lang="en-US" dirty="0"/>
           </a:p>
@@ -5224,7 +5564,7 @@
           <a:p>
             <a:fld id="{4509A250-FF31-4206-8172-F9D3106AACB1}" type="datetimeFigureOut">
               <a:rPr lang="en-US" dirty="0"/>
-              <a:t>2/3/2015</a:t>
+              <a:t>2/5/2015</a:t>
             </a:fld>
             <a:endParaRPr lang="en-US" dirty="0"/>
           </a:p>
@@ -5494,7 +5834,7 @@
           <a:p>
             <a:fld id="{4509A250-FF31-4206-8172-F9D3106AACB1}" type="datetimeFigureOut">
               <a:rPr lang="en-US" dirty="0"/>
-              <a:t>2/3/2015</a:t>
+              <a:t>2/5/2015</a:t>
             </a:fld>
             <a:endParaRPr lang="en-US" dirty="0"/>
           </a:p>
@@ -5918,7 +6258,7 @@
           <a:p>
             <a:fld id="{4509A250-FF31-4206-8172-F9D3106AACB1}" type="datetimeFigureOut">
               <a:rPr lang="en-US" dirty="0"/>
-              <a:t>2/3/2015</a:t>
+              <a:t>2/5/2015</a:t>
             </a:fld>
             <a:endParaRPr lang="en-US" dirty="0"/>
           </a:p>
@@ -6441,15 +6781,15 @@
             </a:r>
             <a:r>
               <a:rPr lang="et-EE" dirty="0" smtClean="0"/>
-              <a:t> 2015</a:t>
+              <a:t> </a:t>
+            </a:r>
+            <a:r>
+              <a:rPr lang="et-EE" dirty="0" smtClean="0"/>
+              <a:t>2015</a:t>
             </a:r>
             <a:br>
               <a:rPr lang="et-EE" dirty="0" smtClean="0"/>
             </a:br>
-            <a:r>
-              <a:rPr lang="et-EE" dirty="0" smtClean="0"/>
-              <a:t>C# 6</a:t>
-            </a:r>
             <a:endParaRPr lang="et-EE" dirty="0"/>
           </a:p>
         </p:txBody>
@@ -6537,6 +6877,492 @@
           <a:p>
             <a:r>
               <a:rPr lang="et-EE" dirty="0" smtClean="0"/>
+              <a:t>VS2013 -&gt; VS2015</a:t>
+            </a:r>
+            <a:endParaRPr lang="et-EE" dirty="0"/>
+          </a:p>
+        </p:txBody>
+      </p:sp>
+      <p:sp>
+        <p:nvSpPr>
+          <p:cNvPr id="3" name="Content Placeholder 2"/>
+          <p:cNvSpPr>
+            <a:spLocks noGrp="1"/>
+          </p:cNvSpPr>
+          <p:nvPr>
+            <p:ph idx="1"/>
+          </p:nvPr>
+        </p:nvSpPr>
+        <p:spPr/>
+        <p:txBody>
+          <a:bodyPr/>
+          <a:lstStyle/>
+          <a:p>
+            <a:r>
+              <a:rPr lang="et-EE" dirty="0" smtClean="0"/>
+              <a:t>26 juuni 2013 - </a:t>
+            </a:r>
+            <a:r>
+              <a:rPr lang="et-EE" dirty="0" err="1" smtClean="0"/>
+              <a:t>preview</a:t>
+            </a:r>
+            <a:endParaRPr lang="et-EE" dirty="0" smtClean="0"/>
+          </a:p>
+          <a:p>
+            <a:r>
+              <a:rPr lang="et-EE" dirty="0" smtClean="0"/>
+              <a:t>9 september 2013 - RC</a:t>
+            </a:r>
+          </a:p>
+          <a:p>
+            <a:r>
+              <a:rPr lang="et-EE" dirty="0" smtClean="0"/>
+              <a:t>17 oktoober 2013 - RTM</a:t>
+            </a:r>
+          </a:p>
+          <a:p>
+            <a:r>
+              <a:rPr lang="et-EE" dirty="0"/>
+              <a:t>20 </a:t>
+            </a:r>
+            <a:r>
+              <a:rPr lang="et-EE" dirty="0" smtClean="0"/>
+              <a:t>jaanuar 2014 - 2013.1</a:t>
+            </a:r>
+          </a:p>
+          <a:p>
+            <a:r>
+              <a:rPr lang="et-EE" dirty="0"/>
+              <a:t>12 </a:t>
+            </a:r>
+            <a:r>
+              <a:rPr lang="et-EE" dirty="0" smtClean="0"/>
+              <a:t>mai 2014 - 2013.2</a:t>
+            </a:r>
+          </a:p>
+          <a:p>
+            <a:r>
+              <a:rPr lang="et-EE" b="1" dirty="0" smtClean="0"/>
+              <a:t>3 Juuni 2014 – Visual </a:t>
+            </a:r>
+            <a:r>
+              <a:rPr lang="et-EE" b="1" dirty="0" err="1" smtClean="0"/>
+              <a:t>Studio</a:t>
+            </a:r>
+            <a:r>
+              <a:rPr lang="et-EE" b="1" dirty="0" smtClean="0"/>
+              <a:t> „14“</a:t>
+            </a:r>
+          </a:p>
+          <a:p>
+            <a:r>
+              <a:rPr lang="et-EE" dirty="0"/>
+              <a:t>4 </a:t>
+            </a:r>
+            <a:r>
+              <a:rPr lang="et-EE" dirty="0" smtClean="0"/>
+              <a:t>august 2014 – 2013.3</a:t>
+            </a:r>
+          </a:p>
+          <a:p>
+            <a:r>
+              <a:rPr lang="et-EE" dirty="0"/>
+              <a:t>12 </a:t>
+            </a:r>
+            <a:r>
+              <a:rPr lang="et-EE" dirty="0" smtClean="0"/>
+              <a:t>november 2014 - 2013.4</a:t>
+            </a:r>
+          </a:p>
+          <a:p>
+            <a:endParaRPr lang="et-EE" dirty="0"/>
+          </a:p>
+        </p:txBody>
+      </p:sp>
+    </p:spTree>
+    <p:extLst>
+      <p:ext uri="{BB962C8B-B14F-4D97-AF65-F5344CB8AC3E}">
+        <p14:creationId xmlns:p14="http://schemas.microsoft.com/office/powerpoint/2010/main" val="16559090"/>
+      </p:ext>
+    </p:extLst>
+  </p:cSld>
+  <p:clrMapOvr>
+    <a:masterClrMapping/>
+  </p:clrMapOvr>
+</p:sld>
+</file>
+
+<file path=ppt/slides/slide3.xml><?xml version="1.0" encoding="utf-8"?>
+<p:sld xmlns:a="http://schemas.openxmlformats.org/drawingml/2006/main" xmlns:r="http://schemas.openxmlformats.org/officeDocument/2006/relationships" xmlns:p="http://schemas.openxmlformats.org/presentationml/2006/main">
+  <p:cSld>
+    <p:spTree>
+      <p:nvGrpSpPr>
+        <p:cNvPr id="1" name=""/>
+        <p:cNvGrpSpPr/>
+        <p:nvPr/>
+      </p:nvGrpSpPr>
+      <p:grpSpPr>
+        <a:xfrm>
+          <a:off x="0" y="0"/>
+          <a:ext cx="0" cy="0"/>
+          <a:chOff x="0" y="0"/>
+          <a:chExt cx="0" cy="0"/>
+        </a:xfrm>
+      </p:grpSpPr>
+      <p:sp>
+        <p:nvSpPr>
+          <p:cNvPr id="2" name="Title 1"/>
+          <p:cNvSpPr>
+            <a:spLocks noGrp="1"/>
+          </p:cNvSpPr>
+          <p:nvPr>
+            <p:ph type="title"/>
+          </p:nvPr>
+        </p:nvSpPr>
+        <p:spPr/>
+        <p:txBody>
+          <a:bodyPr/>
+          <a:lstStyle/>
+          <a:p>
+            <a:r>
+              <a:rPr lang="et-EE" dirty="0" err="1" smtClean="0"/>
+              <a:t>Cloud</a:t>
+            </a:r>
+            <a:r>
+              <a:rPr lang="et-EE" dirty="0" smtClean="0"/>
+              <a:t> </a:t>
+            </a:r>
+            <a:r>
+              <a:rPr lang="et-EE" dirty="0" err="1" smtClean="0"/>
+              <a:t>first</a:t>
+            </a:r>
+            <a:endParaRPr lang="et-EE" dirty="0"/>
+          </a:p>
+        </p:txBody>
+      </p:sp>
+      <p:sp>
+        <p:nvSpPr>
+          <p:cNvPr id="3" name="Content Placeholder 2"/>
+          <p:cNvSpPr>
+            <a:spLocks noGrp="1"/>
+          </p:cNvSpPr>
+          <p:nvPr>
+            <p:ph idx="1"/>
+          </p:nvPr>
+        </p:nvSpPr>
+        <p:spPr/>
+        <p:txBody>
+          <a:bodyPr/>
+          <a:lstStyle/>
+          <a:p>
+            <a:r>
+              <a:rPr lang="et-EE" dirty="0" smtClean="0"/>
+              <a:t>ASP.NET 5</a:t>
+            </a:r>
+          </a:p>
+          <a:p>
+            <a:pPr lvl="1"/>
+            <a:r>
+              <a:rPr lang="et-EE" dirty="0" smtClean="0"/>
+              <a:t>ASP.NET </a:t>
+            </a:r>
+            <a:r>
+              <a:rPr lang="et-EE" dirty="0" err="1" smtClean="0"/>
+              <a:t>vNext</a:t>
+            </a:r>
+            <a:endParaRPr lang="et-EE" dirty="0" smtClean="0"/>
+          </a:p>
+          <a:p>
+            <a:pPr lvl="1"/>
+            <a:r>
+              <a:rPr lang="et-EE" dirty="0" err="1" smtClean="0"/>
+              <a:t>Entity</a:t>
+            </a:r>
+            <a:r>
+              <a:rPr lang="et-EE" dirty="0" smtClean="0"/>
+              <a:t> </a:t>
+            </a:r>
+            <a:r>
+              <a:rPr lang="et-EE" dirty="0" err="1" smtClean="0"/>
+              <a:t>Framework</a:t>
+            </a:r>
+            <a:r>
+              <a:rPr lang="et-EE" dirty="0" smtClean="0"/>
+              <a:t> 7</a:t>
+            </a:r>
+          </a:p>
+          <a:p>
+            <a:pPr lvl="1"/>
+            <a:r>
+              <a:rPr lang="et-EE" dirty="0" err="1" smtClean="0"/>
+              <a:t>Typescript</a:t>
+            </a:r>
+            <a:r>
+              <a:rPr lang="et-EE" dirty="0" smtClean="0"/>
+              <a:t> 1.3</a:t>
+            </a:r>
+          </a:p>
+          <a:p>
+            <a:pPr lvl="1"/>
+            <a:r>
+              <a:rPr lang="et-EE" dirty="0" smtClean="0"/>
+              <a:t>…</a:t>
+            </a:r>
+          </a:p>
+          <a:p>
+            <a:r>
+              <a:rPr lang="et-EE" dirty="0" err="1"/>
+              <a:t>Azure</a:t>
+            </a:r>
+            <a:r>
+              <a:rPr lang="et-EE" dirty="0"/>
+              <a:t> </a:t>
+            </a:r>
+            <a:r>
+              <a:rPr lang="et-EE" dirty="0" err="1"/>
+              <a:t>Cloud</a:t>
+            </a:r>
+            <a:r>
+              <a:rPr lang="et-EE" dirty="0"/>
+              <a:t> </a:t>
+            </a:r>
+            <a:r>
+              <a:rPr lang="et-EE" dirty="0" err="1"/>
+              <a:t>Code</a:t>
+            </a:r>
+            <a:r>
+              <a:rPr lang="et-EE" dirty="0"/>
+              <a:t> </a:t>
+            </a:r>
+            <a:r>
+              <a:rPr lang="et-EE" dirty="0" err="1"/>
+              <a:t>Analysis</a:t>
+            </a:r>
+            <a:r>
+              <a:rPr lang="et-EE" dirty="0"/>
+              <a:t> </a:t>
+            </a:r>
+            <a:r>
+              <a:rPr lang="et-EE" dirty="0" err="1"/>
+              <a:t>Pack</a:t>
+            </a:r>
+            <a:endParaRPr lang="et-EE" dirty="0"/>
+          </a:p>
+        </p:txBody>
+      </p:sp>
+    </p:spTree>
+    <p:extLst>
+      <p:ext uri="{BB962C8B-B14F-4D97-AF65-F5344CB8AC3E}">
+        <p14:creationId xmlns:p14="http://schemas.microsoft.com/office/powerpoint/2010/main" val="2034753268"/>
+      </p:ext>
+    </p:extLst>
+  </p:cSld>
+  <p:clrMapOvr>
+    <a:masterClrMapping/>
+  </p:clrMapOvr>
+  <p:timing>
+    <p:tnLst>
+      <p:par>
+        <p:cTn id="1" dur="indefinite" restart="never" nodeType="tmRoot"/>
+      </p:par>
+    </p:tnLst>
+  </p:timing>
+</p:sld>
+</file>
+
+<file path=ppt/slides/slide4.xml><?xml version="1.0" encoding="utf-8"?>
+<p:sld xmlns:a="http://schemas.openxmlformats.org/drawingml/2006/main" xmlns:r="http://schemas.openxmlformats.org/officeDocument/2006/relationships" xmlns:p="http://schemas.openxmlformats.org/presentationml/2006/main">
+  <p:cSld>
+    <p:spTree>
+      <p:nvGrpSpPr>
+        <p:cNvPr id="1" name=""/>
+        <p:cNvGrpSpPr/>
+        <p:nvPr/>
+      </p:nvGrpSpPr>
+      <p:grpSpPr>
+        <a:xfrm>
+          <a:off x="0" y="0"/>
+          <a:ext cx="0" cy="0"/>
+          <a:chOff x="0" y="0"/>
+          <a:chExt cx="0" cy="0"/>
+        </a:xfrm>
+      </p:grpSpPr>
+      <p:sp>
+        <p:nvSpPr>
+          <p:cNvPr id="2" name="Title 1"/>
+          <p:cNvSpPr>
+            <a:spLocks noGrp="1"/>
+          </p:cNvSpPr>
+          <p:nvPr>
+            <p:ph type="title"/>
+          </p:nvPr>
+        </p:nvSpPr>
+        <p:spPr/>
+        <p:txBody>
+          <a:bodyPr/>
+          <a:lstStyle/>
+          <a:p>
+            <a:r>
+              <a:rPr lang="et-EE" dirty="0" err="1" smtClean="0"/>
+              <a:t>Mobile</a:t>
+            </a:r>
+            <a:r>
+              <a:rPr lang="et-EE" dirty="0" smtClean="0"/>
+              <a:t> </a:t>
+            </a:r>
+            <a:r>
+              <a:rPr lang="et-EE" dirty="0" err="1" smtClean="0"/>
+              <a:t>first</a:t>
+            </a:r>
+            <a:endParaRPr lang="et-EE" dirty="0"/>
+          </a:p>
+        </p:txBody>
+      </p:sp>
+      <p:sp>
+        <p:nvSpPr>
+          <p:cNvPr id="3" name="Content Placeholder 2"/>
+          <p:cNvSpPr>
+            <a:spLocks noGrp="1"/>
+          </p:cNvSpPr>
+          <p:nvPr>
+            <p:ph idx="1"/>
+          </p:nvPr>
+        </p:nvSpPr>
+        <p:spPr/>
+        <p:txBody>
+          <a:bodyPr/>
+          <a:lstStyle/>
+          <a:p>
+            <a:r>
+              <a:rPr lang="en-US" dirty="0"/>
+              <a:t>Visual C++ for Cross-Platform Mobile Development</a:t>
+            </a:r>
+          </a:p>
+          <a:p>
+            <a:r>
+              <a:rPr lang="et-EE" dirty="0"/>
+              <a:t>Visual </a:t>
+            </a:r>
+            <a:r>
+              <a:rPr lang="et-EE" dirty="0" err="1"/>
+              <a:t>Studio</a:t>
+            </a:r>
+            <a:r>
+              <a:rPr lang="et-EE" dirty="0"/>
+              <a:t> </a:t>
+            </a:r>
+            <a:r>
+              <a:rPr lang="et-EE" dirty="0" err="1"/>
+              <a:t>Tools</a:t>
+            </a:r>
+            <a:r>
+              <a:rPr lang="et-EE" dirty="0"/>
+              <a:t> </a:t>
+            </a:r>
+            <a:r>
+              <a:rPr lang="et-EE" dirty="0" err="1"/>
+              <a:t>for</a:t>
+            </a:r>
+            <a:r>
+              <a:rPr lang="et-EE" dirty="0"/>
+              <a:t> </a:t>
+            </a:r>
+            <a:r>
+              <a:rPr lang="et-EE" dirty="0" err="1"/>
+              <a:t>Apache</a:t>
+            </a:r>
+            <a:r>
+              <a:rPr lang="et-EE" dirty="0"/>
+              <a:t> </a:t>
+            </a:r>
+            <a:r>
+              <a:rPr lang="et-EE" dirty="0" err="1"/>
+              <a:t>Cordova</a:t>
+            </a:r>
+            <a:endParaRPr lang="et-EE" dirty="0"/>
+          </a:p>
+          <a:p>
+            <a:r>
+              <a:rPr lang="et-EE" dirty="0"/>
+              <a:t>Visual </a:t>
+            </a:r>
+            <a:r>
+              <a:rPr lang="et-EE" dirty="0" err="1"/>
+              <a:t>Studio</a:t>
+            </a:r>
+            <a:r>
+              <a:rPr lang="et-EE" dirty="0"/>
+              <a:t> </a:t>
+            </a:r>
+            <a:r>
+              <a:rPr lang="et-EE" dirty="0" err="1"/>
+              <a:t>Emulator</a:t>
+            </a:r>
+            <a:r>
+              <a:rPr lang="et-EE" dirty="0"/>
+              <a:t> </a:t>
+            </a:r>
+            <a:r>
+              <a:rPr lang="et-EE" dirty="0" err="1"/>
+              <a:t>for</a:t>
+            </a:r>
+            <a:r>
+              <a:rPr lang="et-EE" dirty="0"/>
+              <a:t> Android</a:t>
+            </a:r>
+          </a:p>
+          <a:p>
+            <a:endParaRPr lang="et-EE" dirty="0"/>
+          </a:p>
+        </p:txBody>
+      </p:sp>
+    </p:spTree>
+    <p:extLst>
+      <p:ext uri="{BB962C8B-B14F-4D97-AF65-F5344CB8AC3E}">
+        <p14:creationId xmlns:p14="http://schemas.microsoft.com/office/powerpoint/2010/main" val="98342025"/>
+      </p:ext>
+    </p:extLst>
+  </p:cSld>
+  <p:clrMapOvr>
+    <a:masterClrMapping/>
+  </p:clrMapOvr>
+</p:sld>
+</file>
+
+<file path=ppt/slides/slide5.xml><?xml version="1.0" encoding="utf-8"?>
+<p:sld xmlns:a="http://schemas.openxmlformats.org/drawingml/2006/main" xmlns:r="http://schemas.openxmlformats.org/officeDocument/2006/relationships" xmlns:p="http://schemas.openxmlformats.org/presentationml/2006/main">
+  <p:cSld>
+    <p:spTree>
+      <p:nvGrpSpPr>
+        <p:cNvPr id="1" name=""/>
+        <p:cNvGrpSpPr/>
+        <p:nvPr/>
+      </p:nvGrpSpPr>
+      <p:grpSpPr>
+        <a:xfrm>
+          <a:off x="0" y="0"/>
+          <a:ext cx="0" cy="0"/>
+          <a:chOff x="0" y="0"/>
+          <a:chExt cx="0" cy="0"/>
+        </a:xfrm>
+      </p:grpSpPr>
+      <p:sp>
+        <p:nvSpPr>
+          <p:cNvPr id="2" name="Title 1"/>
+          <p:cNvSpPr>
+            <a:spLocks noGrp="1"/>
+          </p:cNvSpPr>
+          <p:nvPr>
+            <p:ph type="title"/>
+          </p:nvPr>
+        </p:nvSpPr>
+        <p:spPr/>
+        <p:txBody>
+          <a:bodyPr/>
+          <a:lstStyle/>
+          <a:p>
+            <a:r>
+              <a:rPr lang="et-EE" dirty="0" smtClean="0"/>
               <a:t>Editor</a:t>
             </a:r>
             <a:endParaRPr lang="et-EE" dirty="0"/>
@@ -6647,16 +7473,6 @@
               <a:t>variable</a:t>
             </a:r>
             <a:endParaRPr lang="et-EE" dirty="0" smtClean="0"/>
-          </a:p>
-          <a:p>
-            <a:endParaRPr lang="et-EE" dirty="0"/>
-          </a:p>
-          <a:p>
-            <a:r>
-              <a:rPr lang="et-EE" dirty="0" smtClean="0"/>
-              <a:t>Demo!</a:t>
-            </a:r>
-            <a:endParaRPr lang="et-EE" dirty="0"/>
           </a:p>
         </p:txBody>
       </p:sp>
@@ -6673,285 +7489,14 @@
   <p:timing>
     <p:tnLst>
       <p:par>
-        <p:cTn id="1" dur="indefinite" restart="never" nodeType="tmRoot">
-          <p:childTnLst>
-            <p:seq concurrent="1" nextAc="seek">
-              <p:cTn id="2" dur="indefinite" nodeType="mainSeq">
-                <p:childTnLst>
-                  <p:par>
-                    <p:cTn id="3" fill="hold">
-                      <p:stCondLst>
-                        <p:cond delay="indefinite"/>
-                      </p:stCondLst>
-                      <p:childTnLst>
-                        <p:par>
-                          <p:cTn id="4" fill="hold">
-                            <p:stCondLst>
-                              <p:cond delay="0"/>
-                            </p:stCondLst>
-                            <p:childTnLst>
-                              <p:par>
-                                <p:cTn id="5" presetID="1" presetClass="entr" presetSubtype="0" fill="hold" grpId="0" nodeType="clickEffect">
-                                  <p:stCondLst>
-                                    <p:cond delay="0"/>
-                                  </p:stCondLst>
-                                  <p:childTnLst>
-                                    <p:set>
-                                      <p:cBhvr>
-                                        <p:cTn id="6" dur="1" fill="hold">
-                                          <p:stCondLst>
-                                            <p:cond delay="0"/>
-                                          </p:stCondLst>
-                                        </p:cTn>
-                                        <p:tgtEl>
-                                          <p:spTgt spid="3">
-                                            <p:txEl>
-                                              <p:pRg st="0" end="0"/>
-                                            </p:txEl>
-                                          </p:spTgt>
-                                        </p:tgtEl>
-                                        <p:attrNameLst>
-                                          <p:attrName>style.visibility</p:attrName>
-                                        </p:attrNameLst>
-                                      </p:cBhvr>
-                                      <p:to>
-                                        <p:strVal val="visible"/>
-                                      </p:to>
-                                    </p:set>
-                                  </p:childTnLst>
-                                </p:cTn>
-                              </p:par>
-                            </p:childTnLst>
-                          </p:cTn>
-                        </p:par>
-                      </p:childTnLst>
-                    </p:cTn>
-                  </p:par>
-                  <p:par>
-                    <p:cTn id="7" fill="hold">
-                      <p:stCondLst>
-                        <p:cond delay="indefinite"/>
-                      </p:stCondLst>
-                      <p:childTnLst>
-                        <p:par>
-                          <p:cTn id="8" fill="hold">
-                            <p:stCondLst>
-                              <p:cond delay="0"/>
-                            </p:stCondLst>
-                            <p:childTnLst>
-                              <p:par>
-                                <p:cTn id="9" presetID="1" presetClass="entr" presetSubtype="0" fill="hold" grpId="0" nodeType="clickEffect">
-                                  <p:stCondLst>
-                                    <p:cond delay="0"/>
-                                  </p:stCondLst>
-                                  <p:childTnLst>
-                                    <p:set>
-                                      <p:cBhvr>
-                                        <p:cTn id="10" dur="1" fill="hold">
-                                          <p:stCondLst>
-                                            <p:cond delay="0"/>
-                                          </p:stCondLst>
-                                        </p:cTn>
-                                        <p:tgtEl>
-                                          <p:spTgt spid="3">
-                                            <p:txEl>
-                                              <p:pRg st="1" end="1"/>
-                                            </p:txEl>
-                                          </p:spTgt>
-                                        </p:tgtEl>
-                                        <p:attrNameLst>
-                                          <p:attrName>style.visibility</p:attrName>
-                                        </p:attrNameLst>
-                                      </p:cBhvr>
-                                      <p:to>
-                                        <p:strVal val="visible"/>
-                                      </p:to>
-                                    </p:set>
-                                  </p:childTnLst>
-                                </p:cTn>
-                              </p:par>
-                            </p:childTnLst>
-                          </p:cTn>
-                        </p:par>
-                      </p:childTnLst>
-                    </p:cTn>
-                  </p:par>
-                  <p:par>
-                    <p:cTn id="11" fill="hold">
-                      <p:stCondLst>
-                        <p:cond delay="indefinite"/>
-                      </p:stCondLst>
-                      <p:childTnLst>
-                        <p:par>
-                          <p:cTn id="12" fill="hold">
-                            <p:stCondLst>
-                              <p:cond delay="0"/>
-                            </p:stCondLst>
-                            <p:childTnLst>
-                              <p:par>
-                                <p:cTn id="13" presetID="1" presetClass="entr" presetSubtype="0" fill="hold" grpId="0" nodeType="clickEffect">
-                                  <p:stCondLst>
-                                    <p:cond delay="0"/>
-                                  </p:stCondLst>
-                                  <p:childTnLst>
-                                    <p:set>
-                                      <p:cBhvr>
-                                        <p:cTn id="14" dur="1" fill="hold">
-                                          <p:stCondLst>
-                                            <p:cond delay="0"/>
-                                          </p:stCondLst>
-                                        </p:cTn>
-                                        <p:tgtEl>
-                                          <p:spTgt spid="3">
-                                            <p:txEl>
-                                              <p:pRg st="2" end="2"/>
-                                            </p:txEl>
-                                          </p:spTgt>
-                                        </p:tgtEl>
-                                        <p:attrNameLst>
-                                          <p:attrName>style.visibility</p:attrName>
-                                        </p:attrNameLst>
-                                      </p:cBhvr>
-                                      <p:to>
-                                        <p:strVal val="visible"/>
-                                      </p:to>
-                                    </p:set>
-                                  </p:childTnLst>
-                                </p:cTn>
-                              </p:par>
-                            </p:childTnLst>
-                          </p:cTn>
-                        </p:par>
-                      </p:childTnLst>
-                    </p:cTn>
-                  </p:par>
-                  <p:par>
-                    <p:cTn id="15" fill="hold">
-                      <p:stCondLst>
-                        <p:cond delay="indefinite"/>
-                      </p:stCondLst>
-                      <p:childTnLst>
-                        <p:par>
-                          <p:cTn id="16" fill="hold">
-                            <p:stCondLst>
-                              <p:cond delay="0"/>
-                            </p:stCondLst>
-                            <p:childTnLst>
-                              <p:par>
-                                <p:cTn id="17" presetID="1" presetClass="entr" presetSubtype="0" fill="hold" grpId="0" nodeType="clickEffect">
-                                  <p:stCondLst>
-                                    <p:cond delay="0"/>
-                                  </p:stCondLst>
-                                  <p:childTnLst>
-                                    <p:set>
-                                      <p:cBhvr>
-                                        <p:cTn id="18" dur="1" fill="hold">
-                                          <p:stCondLst>
-                                            <p:cond delay="0"/>
-                                          </p:stCondLst>
-                                        </p:cTn>
-                                        <p:tgtEl>
-                                          <p:spTgt spid="3">
-                                            <p:txEl>
-                                              <p:pRg st="3" end="3"/>
-                                            </p:txEl>
-                                          </p:spTgt>
-                                        </p:tgtEl>
-                                        <p:attrNameLst>
-                                          <p:attrName>style.visibility</p:attrName>
-                                        </p:attrNameLst>
-                                      </p:cBhvr>
-                                      <p:to>
-                                        <p:strVal val="visible"/>
-                                      </p:to>
-                                    </p:set>
-                                  </p:childTnLst>
-                                </p:cTn>
-                              </p:par>
-                            </p:childTnLst>
-                          </p:cTn>
-                        </p:par>
-                      </p:childTnLst>
-                    </p:cTn>
-                  </p:par>
-                  <p:par>
-                    <p:cTn id="19" fill="hold">
-                      <p:stCondLst>
-                        <p:cond delay="indefinite"/>
-                      </p:stCondLst>
-                      <p:childTnLst>
-                        <p:par>
-                          <p:cTn id="20" fill="hold">
-                            <p:stCondLst>
-                              <p:cond delay="0"/>
-                            </p:stCondLst>
-                            <p:childTnLst>
-                              <p:par>
-                                <p:cTn id="21" presetID="1" presetClass="entr" presetSubtype="0" fill="hold" grpId="0" nodeType="clickEffect">
-                                  <p:stCondLst>
-                                    <p:cond delay="0"/>
-                                  </p:stCondLst>
-                                  <p:childTnLst>
-                                    <p:set>
-                                      <p:cBhvr>
-                                        <p:cTn id="22" dur="1" fill="hold">
-                                          <p:stCondLst>
-                                            <p:cond delay="0"/>
-                                          </p:stCondLst>
-                                        </p:cTn>
-                                        <p:tgtEl>
-                                          <p:spTgt spid="3">
-                                            <p:txEl>
-                                              <p:pRg st="5" end="5"/>
-                                            </p:txEl>
-                                          </p:spTgt>
-                                        </p:tgtEl>
-                                        <p:attrNameLst>
-                                          <p:attrName>style.visibility</p:attrName>
-                                        </p:attrNameLst>
-                                      </p:cBhvr>
-                                      <p:to>
-                                        <p:strVal val="visible"/>
-                                      </p:to>
-                                    </p:set>
-                                  </p:childTnLst>
-                                </p:cTn>
-                              </p:par>
-                            </p:childTnLst>
-                          </p:cTn>
-                        </p:par>
-                      </p:childTnLst>
-                    </p:cTn>
-                  </p:par>
-                </p:childTnLst>
-              </p:cTn>
-              <p:prevCondLst>
-                <p:cond evt="onPrev" delay="0">
-                  <p:tgtEl>
-                    <p:sldTgt/>
-                  </p:tgtEl>
-                </p:cond>
-              </p:prevCondLst>
-              <p:nextCondLst>
-                <p:cond evt="onNext" delay="0">
-                  <p:tgtEl>
-                    <p:sldTgt/>
-                  </p:tgtEl>
-                </p:cond>
-              </p:nextCondLst>
-            </p:seq>
-          </p:childTnLst>
-        </p:cTn>
+        <p:cTn id="1" dur="indefinite" restart="never" nodeType="tmRoot"/>
       </p:par>
     </p:tnLst>
-    <p:bldLst>
-      <p:bldP spid="3" grpId="0" build="p"/>
-    </p:bldLst>
   </p:timing>
 </p:sld>
 </file>
 
-<file path=ppt/slides/slide3.xml><?xml version="1.0" encoding="utf-8"?>
+<file path=ppt/slides/slide6.xml><?xml version="1.0" encoding="utf-8"?>
 <p:sld xmlns:a="http://schemas.openxmlformats.org/drawingml/2006/main" xmlns:r="http://schemas.openxmlformats.org/officeDocument/2006/relationships" xmlns:p="http://schemas.openxmlformats.org/presentationml/2006/main">
   <p:cSld>
     <p:spTree>
@@ -7459,7 +8004,7 @@
 </p:sld>
 </file>
 
-<file path=ppt/slides/slide4.xml><?xml version="1.0" encoding="utf-8"?>
+<file path=ppt/slides/slide7.xml><?xml version="1.0" encoding="utf-8"?>
 <p:sld xmlns:a="http://schemas.openxmlformats.org/drawingml/2006/main" xmlns:r="http://schemas.openxmlformats.org/officeDocument/2006/relationships" xmlns:p="http://schemas.openxmlformats.org/presentationml/2006/main">
   <p:cSld>
     <p:spTree>
@@ -7516,84 +8061,66 @@
           <a:p>
             <a:r>
               <a:rPr lang="et-EE" dirty="0" smtClean="0"/>
-              <a:t>C++ tugi on oluliselt paremaks läinud</a:t>
-            </a:r>
-          </a:p>
-          <a:p>
+              <a:t>C++ tugi on oluliselt paremaks </a:t>
+            </a:r>
             <a:r>
               <a:rPr lang="et-EE" dirty="0" smtClean="0"/>
-              <a:t>Visual </a:t>
+              <a:t>läinud</a:t>
+            </a:r>
+            <a:endParaRPr lang="et-EE" dirty="0"/>
+          </a:p>
+          <a:p>
+            <a:r>
+              <a:rPr lang="et-EE" dirty="0" err="1"/>
+              <a:t>Application</a:t>
+            </a:r>
+            <a:r>
+              <a:rPr lang="et-EE" dirty="0"/>
+              <a:t> </a:t>
             </a:r>
             <a:r>
               <a:rPr lang="et-EE" dirty="0" err="1" smtClean="0"/>
-              <a:t>Studio</a:t>
-            </a:r>
-            <a:r>
-              <a:rPr lang="et-EE" dirty="0" smtClean="0"/>
+              <a:t>Insights</a:t>
+            </a:r>
+            <a:endParaRPr lang="et-EE" dirty="0" smtClean="0"/>
+          </a:p>
+          <a:p>
+            <a:r>
+              <a:rPr lang="et-EE" dirty="0" err="1"/>
+              <a:t>Release</a:t>
+            </a:r>
+            <a:r>
+              <a:rPr lang="et-EE" dirty="0"/>
               <a:t> </a:t>
             </a:r>
             <a:r>
               <a:rPr lang="et-EE" dirty="0" err="1" smtClean="0"/>
-              <a:t>Emulator</a:t>
-            </a:r>
-            <a:r>
-              <a:rPr lang="et-EE" dirty="0" smtClean="0"/>
+              <a:t>Management</a:t>
+            </a:r>
+            <a:endParaRPr lang="et-EE" dirty="0" smtClean="0"/>
+          </a:p>
+          <a:p>
+            <a:r>
+              <a:rPr lang="et-EE" dirty="0" err="1"/>
+              <a:t>Git</a:t>
+            </a:r>
+            <a:r>
+              <a:rPr lang="et-EE" dirty="0"/>
               <a:t> </a:t>
             </a:r>
             <a:r>
-              <a:rPr lang="et-EE" dirty="0" err="1" smtClean="0"/>
-              <a:t>for</a:t>
-            </a:r>
-            <a:r>
-              <a:rPr lang="et-EE" dirty="0" smtClean="0"/>
-              <a:t> Android</a:t>
-            </a:r>
-          </a:p>
-          <a:p>
-            <a:r>
-              <a:rPr lang="et-EE" dirty="0" smtClean="0"/>
-              <a:t>Visual </a:t>
-            </a:r>
-            <a:r>
-              <a:rPr lang="et-EE" dirty="0" err="1" smtClean="0"/>
-              <a:t>Studio</a:t>
-            </a:r>
-            <a:r>
-              <a:rPr lang="et-EE" dirty="0" smtClean="0"/>
+              <a:rPr lang="et-EE" dirty="0" err="1"/>
+              <a:t>version</a:t>
+            </a:r>
+            <a:r>
+              <a:rPr lang="et-EE" dirty="0"/>
               <a:t> </a:t>
             </a:r>
             <a:r>
-              <a:rPr lang="et-EE" dirty="0" err="1" smtClean="0"/>
-              <a:t>Tools</a:t>
-            </a:r>
-            <a:r>
-              <a:rPr lang="et-EE" dirty="0" smtClean="0"/>
-              <a:t> </a:t>
-            </a:r>
-            <a:r>
-              <a:rPr lang="et-EE" dirty="0" err="1" smtClean="0"/>
-              <a:t>for</a:t>
-            </a:r>
-            <a:r>
-              <a:rPr lang="et-EE" dirty="0" smtClean="0"/>
-              <a:t> </a:t>
-            </a:r>
-            <a:r>
-              <a:rPr lang="et-EE" dirty="0" err="1" smtClean="0"/>
-              <a:t>Apache</a:t>
-            </a:r>
-            <a:r>
-              <a:rPr lang="et-EE" dirty="0" smtClean="0"/>
-              <a:t> </a:t>
-            </a:r>
-            <a:r>
-              <a:rPr lang="et-EE" dirty="0" err="1" smtClean="0"/>
-              <a:t>Cordova</a:t>
+              <a:rPr lang="et-EE" dirty="0" err="1"/>
+              <a:t>control</a:t>
             </a:r>
             <a:endParaRPr lang="et-EE" dirty="0" smtClean="0"/>
-          </a:p>
-          <a:p>
-            <a:endParaRPr lang="et-EE" dirty="0"/>
           </a:p>
         </p:txBody>
       </p:sp>
@@ -7601,6 +8128,89 @@
     <p:extLst>
       <p:ext uri="{BB962C8B-B14F-4D97-AF65-F5344CB8AC3E}">
         <p14:creationId xmlns:p14="http://schemas.microsoft.com/office/powerpoint/2010/main" val="3940660710"/>
+      </p:ext>
+    </p:extLst>
+  </p:cSld>
+  <p:clrMapOvr>
+    <a:masterClrMapping/>
+  </p:clrMapOvr>
+  <p:timing>
+    <p:tnLst>
+      <p:par>
+        <p:cTn id="1" dur="indefinite" restart="never" nodeType="tmRoot"/>
+      </p:par>
+    </p:tnLst>
+  </p:timing>
+</p:sld>
+</file>
+
+<file path=ppt/slides/slide8.xml><?xml version="1.0" encoding="utf-8"?>
+<p:sld xmlns:a="http://schemas.openxmlformats.org/drawingml/2006/main" xmlns:r="http://schemas.openxmlformats.org/officeDocument/2006/relationships" xmlns:p="http://schemas.openxmlformats.org/presentationml/2006/main">
+  <p:cSld>
+    <p:spTree>
+      <p:nvGrpSpPr>
+        <p:cNvPr id="1" name=""/>
+        <p:cNvGrpSpPr/>
+        <p:nvPr/>
+      </p:nvGrpSpPr>
+      <p:grpSpPr>
+        <a:xfrm>
+          <a:off x="0" y="0"/>
+          <a:ext cx="0" cy="0"/>
+          <a:chOff x="0" y="0"/>
+          <a:chExt cx="0" cy="0"/>
+        </a:xfrm>
+      </p:grpSpPr>
+      <p:sp>
+        <p:nvSpPr>
+          <p:cNvPr id="2" name="Title 1"/>
+          <p:cNvSpPr>
+            <a:spLocks noGrp="1"/>
+          </p:cNvSpPr>
+          <p:nvPr>
+            <p:ph type="title"/>
+          </p:nvPr>
+        </p:nvSpPr>
+        <p:spPr/>
+        <p:txBody>
+          <a:bodyPr/>
+          <a:lstStyle/>
+          <a:p>
+            <a:r>
+              <a:rPr lang="et-EE" dirty="0" smtClean="0"/>
+              <a:t>Tänan!</a:t>
+            </a:r>
+            <a:endParaRPr lang="et-EE" dirty="0"/>
+          </a:p>
+        </p:txBody>
+      </p:sp>
+      <p:sp>
+        <p:nvSpPr>
+          <p:cNvPr id="3" name="Content Placeholder 2"/>
+          <p:cNvSpPr>
+            <a:spLocks noGrp="1"/>
+          </p:cNvSpPr>
+          <p:nvPr>
+            <p:ph idx="1"/>
+          </p:nvPr>
+        </p:nvSpPr>
+        <p:spPr/>
+        <p:txBody>
+          <a:bodyPr/>
+          <a:lstStyle/>
+          <a:p>
+            <a:r>
+              <a:rPr lang="et-EE" dirty="0" smtClean="0"/>
+              <a:t>Q&amp;A</a:t>
+            </a:r>
+            <a:endParaRPr lang="et-EE" dirty="0"/>
+          </a:p>
+        </p:txBody>
+      </p:sp>
+    </p:spTree>
+    <p:extLst>
+      <p:ext uri="{BB962C8B-B14F-4D97-AF65-F5344CB8AC3E}">
+        <p14:creationId xmlns:p14="http://schemas.microsoft.com/office/powerpoint/2010/main" val="3952823360"/>
       </p:ext>
     </p:extLst>
   </p:cSld>
